--- a/IoTUseCase.pptx
+++ b/IoTUseCase.pptx
@@ -1947,7 +1947,7 @@
           <a:bodyPr lIns="0" rIns="0" tIns="0" bIns="0"/>
           <a:p>
             <a:pPr algn="r"/>
-            <a:fld id="{C2C5A7A1-A698-43D6-8DE3-F313CF4B90B3}" type="slidenum">
+            <a:fld id="{6DA6B6B3-DD64-4A33-91FD-F0BF5DBA7F03}" type="slidenum">
               <a:rPr b="0" lang="en-US" sz="1400" spc="-1" strike="noStrike">
                 <a:solidFill>
                   <a:srgbClr val="000000"/>
@@ -2088,6 +2088,33 @@
       </p:sp>
     </p:spTree>
   </p:cSld>
+  <p:timing>
+    <p:tnLst>
+      <p:par>
+        <p:cTn id="1" dur="indefinite" restart="never" nodeType="tmRoot">
+          <p:childTnLst>
+            <p:seq>
+              <p:cTn id="2" nodeType="mainSeq"/>
+              <p:prevCondLst>
+                <p:cond delay="0" evt="onPrev">
+                  <p:tgtEl>
+                    <p:sldTgt/>
+                  </p:tgtEl>
+                </p:cond>
+              </p:prevCondLst>
+              <p:nextCondLst>
+                <p:cond delay="0" evt="onNext">
+                  <p:tgtEl>
+                    <p:sldTgt/>
+                  </p:tgtEl>
+                </p:cond>
+              </p:nextCondLst>
+            </p:seq>
+          </p:childTnLst>
+        </p:cTn>
+      </p:par>
+    </p:tnLst>
+  </p:timing>
 </p:sld>
 </file>
 
@@ -2520,6 +2547,33 @@
       </p:sp>
     </p:spTree>
   </p:cSld>
+  <p:timing>
+    <p:tnLst>
+      <p:par>
+        <p:cTn id="3" dur="indefinite" restart="never" nodeType="tmRoot">
+          <p:childTnLst>
+            <p:seq>
+              <p:cTn id="4" nodeType="mainSeq"/>
+              <p:prevCondLst>
+                <p:cond delay="0" evt="onPrev">
+                  <p:tgtEl>
+                    <p:sldTgt/>
+                  </p:tgtEl>
+                </p:cond>
+              </p:prevCondLst>
+              <p:nextCondLst>
+                <p:cond delay="0" evt="onNext">
+                  <p:tgtEl>
+                    <p:sldTgt/>
+                  </p:tgtEl>
+                </p:cond>
+              </p:nextCondLst>
+            </p:seq>
+          </p:childTnLst>
+        </p:cTn>
+      </p:par>
+    </p:tnLst>
+  </p:timing>
 </p:sld>
 </file>
 
